--- a/CS410_COVID_Team_Presentation.pptx
+++ b/CS410_COVID_Team_Presentation.pptx
@@ -24303,7 +24303,7 @@
             </a:r>
           </a:p>
           <a:p>
-            <a:endParaRPr lang="en-US">
+            <a:endParaRPr lang="en-US" dirty="0">
               <a:solidFill>
                 <a:schemeClr val="bg2"/>
               </a:solidFill>
@@ -24330,7 +24330,31 @@
                   <a:schemeClr val="bg1"/>
                 </a:solidFill>
               </a:rPr>
-              <a:t>David Burris - (</a:t>
+              <a:t>David </a:t>
+            </a:r>
+            <a:r>
+              <a:rPr lang="en-US" dirty="0" err="1" smtClean="0">
+                <a:solidFill>
+                  <a:schemeClr val="bg1"/>
+                </a:solidFill>
+              </a:rPr>
+              <a:t>BurrUs</a:t>
+            </a:r>
+            <a:r>
+              <a:rPr lang="en-US" dirty="0" smtClean="0">
+                <a:solidFill>
+                  <a:schemeClr val="bg1"/>
+                </a:solidFill>
+              </a:rPr>
+              <a:t> </a:t>
+            </a:r>
+            <a:r>
+              <a:rPr lang="en-US" dirty="0">
+                <a:solidFill>
+                  <a:schemeClr val="bg1"/>
+                </a:solidFill>
+              </a:rPr>
+              <a:t>- (</a:t>
             </a:r>
             <a:r>
               <a:rPr lang="en-US" dirty="0">
@@ -24349,7 +24373,7 @@
               </a:rPr>
               <a:t>DBURRUS3@ILLINOIS.EDU)</a:t>
             </a:r>
-            <a:endParaRPr lang="en-US">
+            <a:endParaRPr lang="en-US" dirty="0">
               <a:solidFill>
                 <a:schemeClr val="bg1"/>
               </a:solidFill>
@@ -24466,14 +24490,14 @@
             </a:r>
           </a:p>
           <a:p>
-            <a:endParaRPr lang="en-US">
+            <a:endParaRPr lang="en-US" dirty="0">
               <a:solidFill>
                 <a:schemeClr val="bg2"/>
               </a:solidFill>
             </a:endParaRPr>
           </a:p>
           <a:p>
-            <a:endParaRPr lang="en-US">
+            <a:endParaRPr lang="en-US" dirty="0">
               <a:solidFill>
                 <a:schemeClr val="bg2"/>
               </a:solidFill>
